--- a/Working/HW5_RechargeMe/hw5_models.pptx
+++ b/Working/HW5_RechargeMe/hw5_models.pptx
@@ -4,6 +4,9 @@
   <p:sldMasterIdLst>
     <p:sldMasterId id="2147483660" r:id="rId1"/>
   </p:sldMasterIdLst>
+  <p:notesMasterIdLst>
+    <p:notesMasterId r:id="rId9"/>
+  </p:notesMasterIdLst>
   <p:sldIdLst>
     <p:sldId id="259" r:id="rId2"/>
     <p:sldId id="257" r:id="rId3"/>
@@ -110,7 +113,781 @@
       </a:defRPr>
     </a:lvl9pPr>
   </p:defaultTextStyle>
+  <p:extLst>
+    <p:ext uri="{EFAFB233-063F-42B5-8137-9DF3F51BA10A}">
+      <p15:sldGuideLst xmlns:p15="http://schemas.microsoft.com/office/powerpoint/2012/main"/>
+    </p:ext>
+  </p:extLst>
 </p:presentation>
+</file>
+
+<file path=ppt/ink/ink1.xml><?xml version="1.0" encoding="utf-8"?>
+<inkml:ink xmlns:inkml="http://www.w3.org/2003/InkML">
+  <inkml:definitions>
+    <inkml:context xml:id="ctx0">
+      <inkml:inkSource xml:id="inkSrc0">
+        <inkml:traceFormat>
+          <inkml:channel name="X" type="integer" min="-2.14748E9" max="2.14748E9" units="cm"/>
+          <inkml:channel name="Y" type="integer" min="-2.14748E9" max="2.14748E9" units="cm"/>
+          <inkml:channel name="F" type="integer" max="32767" units="dev"/>
+        </inkml:traceFormat>
+        <inkml:channelProperties>
+          <inkml:channelProperty channel="X" name="resolution" value="1000" units="1/cm"/>
+          <inkml:channelProperty channel="Y" name="resolution" value="1000" units="1/cm"/>
+          <inkml:channelProperty channel="F" name="resolution" value="0" units="1/dev"/>
+        </inkml:channelProperties>
+      </inkml:inkSource>
+      <inkml:timestamp xml:id="ts0" timeString="2022-02-23T06:16:35.284"/>
+    </inkml:context>
+    <inkml:brush xml:id="br0">
+      <inkml:brushProperty name="width" value="0.05" units="cm"/>
+      <inkml:brushProperty name="height" value="0.05" units="cm"/>
+      <inkml:brushProperty name="color" value="#E71224"/>
+    </inkml:brush>
+  </inkml:definitions>
+  <inkml:trace contextRef="#ctx0" brushRef="#br0">1 6 24575,'0'-1'0,"0"-3"0</inkml:trace>
+</inkml:ink>
+</file>
+
+<file path=ppt/ink/ink10.xml><?xml version="1.0" encoding="utf-8"?>
+<inkml:ink xmlns:inkml="http://www.w3.org/2003/InkML">
+  <inkml:definitions>
+    <inkml:context xml:id="ctx0">
+      <inkml:inkSource xml:id="inkSrc0">
+        <inkml:traceFormat>
+          <inkml:channel name="X" type="integer" min="-2.14748E9" max="2.14748E9" units="cm"/>
+          <inkml:channel name="Y" type="integer" min="-2.14748E9" max="2.14748E9" units="cm"/>
+          <inkml:channel name="F" type="integer" max="32767" units="dev"/>
+        </inkml:traceFormat>
+        <inkml:channelProperties>
+          <inkml:channelProperty channel="X" name="resolution" value="1000" units="1/cm"/>
+          <inkml:channelProperty channel="Y" name="resolution" value="1000" units="1/cm"/>
+          <inkml:channelProperty channel="F" name="resolution" value="0" units="1/dev"/>
+        </inkml:channelProperties>
+      </inkml:inkSource>
+      <inkml:timestamp xml:id="ts0" timeString="2022-02-24T03:13:28.088"/>
+    </inkml:context>
+    <inkml:brush xml:id="br0">
+      <inkml:brushProperty name="width" value="0.05" units="cm"/>
+      <inkml:brushProperty name="height" value="0.05" units="cm"/>
+      <inkml:brushProperty name="color" value="#E71224"/>
+    </inkml:brush>
+  </inkml:definitions>
+  <inkml:trace contextRef="#ctx0" brushRef="#br0">370 0 24575,'-5'1'0,"1"0"0,0-1 0,-1 2 0,1-1 0,-1 0 0,1 1 0,0 0 0,0 0 0,0 0 0,0 0 0,0 1 0,-4 3 0,-43 41 0,39-35 0,-20 23 8,1 2 0,2 1 0,-46 81-1,10-15-1403,49-82-5430</inkml:trace>
+</inkml:ink>
+</file>
+
+<file path=ppt/ink/ink11.xml><?xml version="1.0" encoding="utf-8"?>
+<inkml:ink xmlns:inkml="http://www.w3.org/2003/InkML">
+  <inkml:definitions>
+    <inkml:context xml:id="ctx0">
+      <inkml:inkSource xml:id="inkSrc0">
+        <inkml:traceFormat>
+          <inkml:channel name="X" type="integer" min="-2.14748E9" max="2.14748E9" units="cm"/>
+          <inkml:channel name="Y" type="integer" min="-2.14748E9" max="2.14748E9" units="cm"/>
+          <inkml:channel name="F" type="integer" max="32767" units="dev"/>
+        </inkml:traceFormat>
+        <inkml:channelProperties>
+          <inkml:channelProperty channel="X" name="resolution" value="1000" units="1/cm"/>
+          <inkml:channelProperty channel="Y" name="resolution" value="1000" units="1/cm"/>
+          <inkml:channelProperty channel="F" name="resolution" value="0" units="1/dev"/>
+        </inkml:channelProperties>
+      </inkml:inkSource>
+      <inkml:timestamp xml:id="ts0" timeString="2022-02-24T03:13:52.797"/>
+    </inkml:context>
+    <inkml:brush xml:id="br0">
+      <inkml:brushProperty name="width" value="0.05" units="cm"/>
+      <inkml:brushProperty name="height" value="0.05" units="cm"/>
+      <inkml:brushProperty name="color" value="#FFC114"/>
+    </inkml:brush>
+  </inkml:definitions>
+  <inkml:trace contextRef="#ctx0" brushRef="#br0">1 0 24575,'0'10'0,"1"0"0,0 0 0,1 0 0,0 0 0,1 0 0,7 17 0,32 57 0,-2-4 0,-18-27 0,3-2 0,52 80 0,130 229 0,-183-316 0,30 65 0,-37-69 0,2-2 0,2 0 0,49 66 0,-37-61 0,28 50 0,-40-58 0,1-2 0,1-1 0,45 48 0,-14-31 0,1-2 0,3-3 0,1-3 0,2-2 0,2-2 0,125 51 0,74-11 0,-16-6 0,154 66 0,-340-114 0,-32-12 0,0-1 0,0-1 0,1-1 0,50 7 0,115 7 0,108 7 0,-230-28 0,101 7 0,54-1 0,-150-8 0,89 11 0,-62 1 0,116-2 0,-127-10 0,342-11 0,-310-6 0,-83 11 0,42-11 0,123-44 0,-68 19 0,155-70 0,-116 40 0,-49 22 0,190-62 0,163 22 0,-358 72 0,43-2 0,0 8 0,204 9 0,591 76 0,-917-65-1365,-31-5-5461</inkml:trace>
+</inkml:ink>
+</file>
+
+<file path=ppt/ink/ink12.xml><?xml version="1.0" encoding="utf-8"?>
+<inkml:ink xmlns:inkml="http://www.w3.org/2003/InkML">
+  <inkml:definitions>
+    <inkml:context xml:id="ctx0">
+      <inkml:inkSource xml:id="inkSrc0">
+        <inkml:traceFormat>
+          <inkml:channel name="X" type="integer" min="-2.14748E9" max="2.14748E9" units="cm"/>
+          <inkml:channel name="Y" type="integer" min="-2.14748E9" max="2.14748E9" units="cm"/>
+          <inkml:channel name="F" type="integer" max="32767" units="dev"/>
+        </inkml:traceFormat>
+        <inkml:channelProperties>
+          <inkml:channelProperty channel="X" name="resolution" value="1000" units="1/cm"/>
+          <inkml:channelProperty channel="Y" name="resolution" value="1000" units="1/cm"/>
+          <inkml:channelProperty channel="F" name="resolution" value="0" units="1/dev"/>
+        </inkml:channelProperties>
+      </inkml:inkSource>
+      <inkml:timestamp xml:id="ts0" timeString="2022-02-24T03:13:58.211"/>
+    </inkml:context>
+    <inkml:brush xml:id="br0">
+      <inkml:brushProperty name="width" value="0.05" units="cm"/>
+      <inkml:brushProperty name="height" value="0.05" units="cm"/>
+      <inkml:brushProperty name="color" value="#FFC114"/>
+    </inkml:brush>
+  </inkml:definitions>
+  <inkml:trace contextRef="#ctx0" brushRef="#br0">9 1705 24575,'0'0'0,"-1"-1"0,0 1 0,1-1 0,-1 0 0,0 0 0,1 1 0,-1-1 0,1 0 0,-1 0 0,1 0 0,-1 1 0,1-1 0,0 0 0,0 0 0,-1 0 0,1 0 0,0 0 0,0 0 0,0 0 0,0 0 0,0 0 0,0 0 0,0 0 0,0 1 0,0-1 0,0 0 0,1 0 0,0-2 0,19-20 0,-7 9 0,58-74 0,91-152 0,-153 226 0,25-34 0,3 2 0,79-78 0,-17 20 0,-56 60 0,0 1 0,3 3 0,2 1 0,1 3 0,1 1 0,63-31 0,89-61 0,-147 88 0,2 3 0,2 2 0,83-36 0,-4 25 0,226-45 0,279-28 0,-412 91 0,412 6 0,-512 23 0,464-4 0,122-15 0,-714 17 0,1081 43 0,-956-34 0,1-6 0,0-6 0,185-27 0,22-10 0,1 14 0,357 19 0,71 71 0,-672-53-1365,-63-9-5461</inkml:trace>
+</inkml:ink>
+</file>
+
+<file path=ppt/ink/ink2.xml><?xml version="1.0" encoding="utf-8"?>
+<inkml:ink xmlns:inkml="http://www.w3.org/2003/InkML">
+  <inkml:definitions>
+    <inkml:context xml:id="ctx0">
+      <inkml:inkSource xml:id="inkSrc0">
+        <inkml:traceFormat>
+          <inkml:channel name="X" type="integer" min="-2.14748E9" max="2.14748E9" units="cm"/>
+          <inkml:channel name="Y" type="integer" min="-2.14748E9" max="2.14748E9" units="cm"/>
+          <inkml:channel name="F" type="integer" max="32767" units="dev"/>
+        </inkml:traceFormat>
+        <inkml:channelProperties>
+          <inkml:channelProperty channel="X" name="resolution" value="1000" units="1/cm"/>
+          <inkml:channelProperty channel="Y" name="resolution" value="1000" units="1/cm"/>
+          <inkml:channelProperty channel="F" name="resolution" value="0" units="1/dev"/>
+        </inkml:channelProperties>
+      </inkml:inkSource>
+      <inkml:timestamp xml:id="ts0" timeString="2022-02-23T06:16:39.277"/>
+    </inkml:context>
+    <inkml:brush xml:id="br0">
+      <inkml:brushProperty name="width" value="0.05" units="cm"/>
+      <inkml:brushProperty name="height" value="0.05" units="cm"/>
+      <inkml:brushProperty name="color" value="#E71224"/>
+    </inkml:brush>
+  </inkml:definitions>
+  <inkml:trace contextRef="#ctx0" brushRef="#br0">196 12 24575,'-3'-1'0,"1"-1"0,-1 1 0,1 0 0,-1 0 0,0 0 0,0 0 0,0 0 0,0 0 0,0 1 0,1-1 0,-1 1 0,0 0 0,0 0 0,-4 0 0,1 0 0,0 1 0,1-1 0,-1 1 0,0 0 0,0 1 0,-7 2 0,10-2 0,0 0 0,1 0 0,-1 1 0,0-1 0,1 1 0,0-1 0,-1 1 0,1 0 0,0 0 0,0 0 0,1 0 0,-1 0 0,1 1 0,-2 3 0,-15 56 0,13-45 0,-29 112 0,31-115 0,0 0 0,1 1 0,0-1 0,1 1 0,1-1 0,3 22 0,-1 10 0,0 12 0,2 1 0,23 103 0,48 113 0,-41-181 0,65 131 0,64 80 0,-157-295 0,26 47 0,55 99 0,121 166 0,42-2 0,-177-237 0,138 124 0,-95-115 0,4-5 0,3-5 0,4-5 0,244 108 0,-190-113-1696,205 55 0,198 22-1696,-364-103 5088,314 27 0,229-50 1696,-339-33-4326,974-14-4916,-1210 22 6138,1138-7 6208,-1068 10-6529,341-8-1064,-532 2-3255,31-4 2804,-74 6 1560,-4 0-1185</inkml:trace>
+</inkml:ink>
+</file>
+
+<file path=ppt/ink/ink3.xml><?xml version="1.0" encoding="utf-8"?>
+<inkml:ink xmlns:inkml="http://www.w3.org/2003/InkML">
+  <inkml:definitions>
+    <inkml:context xml:id="ctx0">
+      <inkml:inkSource xml:id="inkSrc0">
+        <inkml:traceFormat>
+          <inkml:channel name="X" type="integer" min="-2.14748E9" max="2.14748E9" units="cm"/>
+          <inkml:channel name="Y" type="integer" min="-2.14748E9" max="2.14748E9" units="cm"/>
+          <inkml:channel name="F" type="integer" max="32767" units="dev"/>
+        </inkml:traceFormat>
+        <inkml:channelProperties>
+          <inkml:channelProperty channel="X" name="resolution" value="1000" units="1/cm"/>
+          <inkml:channelProperty channel="Y" name="resolution" value="1000" units="1/cm"/>
+          <inkml:channelProperty channel="F" name="resolution" value="0" units="1/dev"/>
+        </inkml:channelProperties>
+      </inkml:inkSource>
+      <inkml:timestamp xml:id="ts0" timeString="2022-02-23T06:17:03.385"/>
+    </inkml:context>
+    <inkml:brush xml:id="br0">
+      <inkml:brushProperty name="width" value="0.05" units="cm"/>
+      <inkml:brushProperty name="height" value="0.05" units="cm"/>
+      <inkml:brushProperty name="color" value="#E71224"/>
+    </inkml:brush>
+  </inkml:definitions>
+  <inkml:trace contextRef="#ctx0" brushRef="#br0">0 0 24575</inkml:trace>
+</inkml:ink>
+</file>
+
+<file path=ppt/ink/ink4.xml><?xml version="1.0" encoding="utf-8"?>
+<inkml:ink xmlns:inkml="http://www.w3.org/2003/InkML">
+  <inkml:definitions>
+    <inkml:context xml:id="ctx0">
+      <inkml:inkSource xml:id="inkSrc0">
+        <inkml:traceFormat>
+          <inkml:channel name="X" type="integer" min="-2.14748E9" max="2.14748E9" units="cm"/>
+          <inkml:channel name="Y" type="integer" min="-2.14748E9" max="2.14748E9" units="cm"/>
+          <inkml:channel name="F" type="integer" max="32767" units="dev"/>
+        </inkml:traceFormat>
+        <inkml:channelProperties>
+          <inkml:channelProperty channel="X" name="resolution" value="1000" units="1/cm"/>
+          <inkml:channelProperty channel="Y" name="resolution" value="1000" units="1/cm"/>
+          <inkml:channelProperty channel="F" name="resolution" value="0" units="1/dev"/>
+        </inkml:channelProperties>
+      </inkml:inkSource>
+      <inkml:timestamp xml:id="ts0" timeString="2022-02-23T06:16:46.161"/>
+    </inkml:context>
+    <inkml:brush xml:id="br0">
+      <inkml:brushProperty name="width" value="0.05" units="cm"/>
+      <inkml:brushProperty name="height" value="0.05" units="cm"/>
+      <inkml:brushProperty name="color" value="#E71224"/>
+    </inkml:brush>
+  </inkml:definitions>
+  <inkml:trace contextRef="#ctx0" brushRef="#br0">56 2803 24575,'-1'-8'0,"0"-1"0,-1 1 0,0 0 0,-1-1 0,0 1 0,-5-10 0,-6-22 0,7 8 0,1 0 0,2 0 0,1 0 0,2-1 0,1 1 0,1-1 0,9-45 0,-6 62 0,0 1 0,1 0 0,1 0 0,0 0 0,2 0 0,12-19 0,62-79 0,-56 80 0,14-15 0,1 2 0,82-69 0,-45 56 0,2 3 0,116-58 0,-65 39 0,935-495 0,-950 514 0,2 6 0,2 5 0,3 5 0,0 6 0,216-32 0,82 22 0,464-31 0,-651 50 0,71-6 0,-112 15 0,208-46 0,523-85 0,-516 114 0,-184 18 0,470-81 0,-391 45-1854,29-6-3247,-115 12 10926,-153 29-5637,0 4 0,1 2 1,0 3-1,1 3 1,75 5-1,-120 2-1553,-6-1-5461</inkml:trace>
+</inkml:ink>
+</file>
+
+<file path=ppt/ink/ink5.xml><?xml version="1.0" encoding="utf-8"?>
+<inkml:ink xmlns:inkml="http://www.w3.org/2003/InkML">
+  <inkml:definitions>
+    <inkml:context xml:id="ctx0">
+      <inkml:inkSource xml:id="inkSrc0">
+        <inkml:traceFormat>
+          <inkml:channel name="X" type="integer" min="-2.14748E9" max="2.14748E9" units="cm"/>
+          <inkml:channel name="Y" type="integer" min="-2.14748E9" max="2.14748E9" units="cm"/>
+          <inkml:channel name="F" type="integer" max="32767" units="dev"/>
+        </inkml:traceFormat>
+        <inkml:channelProperties>
+          <inkml:channelProperty channel="X" name="resolution" value="1000" units="1/cm"/>
+          <inkml:channelProperty channel="Y" name="resolution" value="1000" units="1/cm"/>
+          <inkml:channelProperty channel="F" name="resolution" value="0" units="1/dev"/>
+        </inkml:channelProperties>
+      </inkml:inkSource>
+      <inkml:timestamp xml:id="ts0" timeString="2022-02-23T06:16:48.139"/>
+    </inkml:context>
+    <inkml:brush xml:id="br0">
+      <inkml:brushProperty name="width" value="0.05" units="cm"/>
+      <inkml:brushProperty name="height" value="0.05" units="cm"/>
+      <inkml:brushProperty name="color" value="#E71224"/>
+    </inkml:brush>
+  </inkml:definitions>
+  <inkml:trace contextRef="#ctx0" brushRef="#br0">45 1 24575,'1'0'0,"-1"1"0,1-1 0,0 1 0,-1 0 0,1-1 0,-1 1 0,1 0 0,-1 0 0,1-1 0,-1 1 0,0 0 0,1 0 0,-1 0 0,0 0 0,0-1 0,0 1 0,1 0 0,-1 0 0,0 0 0,0 0 0,0 1 0,2 24 0,-2-24 0,-6 580-6784,-5-436 7447,-26 468 5458,53 2106-6121,2-1991 0,-12-388 0,24 518 0,-18-598 0,31 599 0,10-133 0,-41-585-1365,-8-90-5461</inkml:trace>
+</inkml:ink>
+</file>
+
+<file path=ppt/ink/ink6.xml><?xml version="1.0" encoding="utf-8"?>
+<inkml:ink xmlns:inkml="http://www.w3.org/2003/InkML">
+  <inkml:definitions>
+    <inkml:context xml:id="ctx0">
+      <inkml:inkSource xml:id="inkSrc0">
+        <inkml:traceFormat>
+          <inkml:channel name="X" type="integer" min="-2.14748E9" max="2.14748E9" units="cm"/>
+          <inkml:channel name="Y" type="integer" min="-2.14748E9" max="2.14748E9" units="cm"/>
+          <inkml:channel name="F" type="integer" max="32767" units="dev"/>
+        </inkml:traceFormat>
+        <inkml:channelProperties>
+          <inkml:channelProperty channel="X" name="resolution" value="1000" units="1/cm"/>
+          <inkml:channelProperty channel="Y" name="resolution" value="1000" units="1/cm"/>
+          <inkml:channelProperty channel="F" name="resolution" value="0" units="1/dev"/>
+        </inkml:channelProperties>
+      </inkml:inkSource>
+      <inkml:timestamp xml:id="ts0" timeString="2022-02-23T06:17:08.830"/>
+    </inkml:context>
+    <inkml:brush xml:id="br0">
+      <inkml:brushProperty name="width" value="0.05" units="cm"/>
+      <inkml:brushProperty name="height" value="0.05" units="cm"/>
+      <inkml:brushProperty name="color" value="#E71224"/>
+    </inkml:brush>
+  </inkml:definitions>
+  <inkml:trace contextRef="#ctx0" brushRef="#br0">0 1 24575</inkml:trace>
+</inkml:ink>
+</file>
+
+<file path=ppt/ink/ink7.xml><?xml version="1.0" encoding="utf-8"?>
+<inkml:ink xmlns:inkml="http://www.w3.org/2003/InkML">
+  <inkml:definitions>
+    <inkml:context xml:id="ctx0">
+      <inkml:inkSource xml:id="inkSrc0">
+        <inkml:traceFormat>
+          <inkml:channel name="X" type="integer" min="-2.14748E9" max="2.14748E9" units="cm"/>
+          <inkml:channel name="Y" type="integer" min="-2.14748E9" max="2.14748E9" units="cm"/>
+          <inkml:channel name="F" type="integer" max="32767" units="dev"/>
+        </inkml:traceFormat>
+        <inkml:channelProperties>
+          <inkml:channelProperty channel="X" name="resolution" value="1000" units="1/cm"/>
+          <inkml:channelProperty channel="Y" name="resolution" value="1000" units="1/cm"/>
+          <inkml:channelProperty channel="F" name="resolution" value="0" units="1/dev"/>
+        </inkml:channelProperties>
+      </inkml:inkSource>
+      <inkml:timestamp xml:id="ts0" timeString="2022-02-24T03:13:04.294"/>
+    </inkml:context>
+    <inkml:brush xml:id="br0">
+      <inkml:brushProperty name="width" value="0.05" units="cm"/>
+      <inkml:brushProperty name="height" value="0.05" units="cm"/>
+      <inkml:brushProperty name="color" value="#E71224"/>
+    </inkml:brush>
+  </inkml:definitions>
+  <inkml:trace contextRef="#ctx0" brushRef="#br0">1 0 24575,'120'145'0,"-46"-57"0,-13-22 0,100 87 0,-23-25 0,-82-72 0,2-4 0,97 69 0,-103-83 0,55 53 0,-59-47 0,63 43 0,100 36 0,-25-15 0,-138-78 0,1-2 0,2-2 0,1-2 0,0-2 0,104 27 0,-94-35 0,0-3 0,0-3 0,76 1 0,-104-9 0,185-3 0,-172 0 0,-1-3 0,79-19 0,-20-5 0,-1-5 0,148-70 0,-135 52 0,-63 30 0,-1-3 0,68-43 0,-35 12 0,101-75 0,-171 119-57,-10 8-205,1 0 1,-1-1-1,0 0 0,7-8 1</inkml:trace>
+</inkml:ink>
+</file>
+
+<file path=ppt/ink/ink8.xml><?xml version="1.0" encoding="utf-8"?>
+<inkml:ink xmlns:inkml="http://www.w3.org/2003/InkML">
+  <inkml:definitions>
+    <inkml:context xml:id="ctx0">
+      <inkml:inkSource xml:id="inkSrc0">
+        <inkml:traceFormat>
+          <inkml:channel name="X" type="integer" min="-2.14748E9" max="2.14748E9" units="cm"/>
+          <inkml:channel name="Y" type="integer" min="-2.14748E9" max="2.14748E9" units="cm"/>
+          <inkml:channel name="F" type="integer" max="32767" units="dev"/>
+        </inkml:traceFormat>
+        <inkml:channelProperties>
+          <inkml:channelProperty channel="X" name="resolution" value="1000" units="1/cm"/>
+          <inkml:channelProperty channel="Y" name="resolution" value="1000" units="1/cm"/>
+          <inkml:channelProperty channel="F" name="resolution" value="0" units="1/dev"/>
+        </inkml:channelProperties>
+      </inkml:inkSource>
+      <inkml:timestamp xml:id="ts0" timeString="2022-02-24T03:13:13.485"/>
+    </inkml:context>
+    <inkml:brush xml:id="br0">
+      <inkml:brushProperty name="width" value="0.05" units="cm"/>
+      <inkml:brushProperty name="height" value="0.05" units="cm"/>
+      <inkml:brushProperty name="color" value="#E71224"/>
+    </inkml:brush>
+  </inkml:definitions>
+  <inkml:trace contextRef="#ctx0" brushRef="#br0">3 360 24575,'-1'-2'0,"1"0"0,-1 0 0,1 0 0,0 0 0,0 0 0,-1 0 0,1 0 0,1 0 0,-1 0 0,0 0 0,0 0 0,1 0 0,-1 0 0,1 0 0,-1 0 0,1 0 0,0 1 0,1-3 0,1-1 0,1 1 0,-1 0 0,1 1 0,0-1 0,6-4 0,1-1 0,2-1 0,1 0 0,1 1 0,-1 1 0,1 0 0,1 1 0,25-8 0,105-22 0,-35 11 0,-79 17 0,125-37 0,179-28 0,-221 60 0,1 5 0,162 8 0,-128 9 0,0 6 0,-2 7 0,167 46 0,-52-5 0,31 8 0,-287-68 0,261 79 0,-180-50 0,85 42 0,-154-63 0,60 28 0,92 61 0,-64-13 0,-1-1 0,-74-61 0,-1 1 0,-1 2 0,-2 0 0,-1 2 0,-1 1 0,-1 1 0,31 54 0,119 168 0,-153-223 0,-3 1 0,0 1 0,-2 0 0,-1 2 0,18 56 0,-29-64-1365,-5-16-5461</inkml:trace>
+</inkml:ink>
+</file>
+
+<file path=ppt/ink/ink9.xml><?xml version="1.0" encoding="utf-8"?>
+<inkml:ink xmlns:inkml="http://www.w3.org/2003/InkML">
+  <inkml:definitions>
+    <inkml:context xml:id="ctx0">
+      <inkml:inkSource xml:id="inkSrc0">
+        <inkml:traceFormat>
+          <inkml:channel name="X" type="integer" min="-2.14748E9" max="2.14748E9" units="cm"/>
+          <inkml:channel name="Y" type="integer" min="-2.14748E9" max="2.14748E9" units="cm"/>
+          <inkml:channel name="F" type="integer" max="32767" units="dev"/>
+        </inkml:traceFormat>
+        <inkml:channelProperties>
+          <inkml:channelProperty channel="X" name="resolution" value="1000" units="1/cm"/>
+          <inkml:channelProperty channel="Y" name="resolution" value="1000" units="1/cm"/>
+          <inkml:channelProperty channel="F" name="resolution" value="0" units="1/dev"/>
+        </inkml:channelProperties>
+      </inkml:inkSource>
+      <inkml:timestamp xml:id="ts0" timeString="2022-02-24T03:13:25.834"/>
+    </inkml:context>
+    <inkml:brush xml:id="br0">
+      <inkml:brushProperty name="width" value="0.05" units="cm"/>
+      <inkml:brushProperty name="height" value="0.05" units="cm"/>
+      <inkml:brushProperty name="color" value="#E71224"/>
+    </inkml:brush>
+  </inkml:definitions>
+  <inkml:trace contextRef="#ctx0" brushRef="#br0">437 416 24575,'-5'-7'0,"-1"0"0,0 0 0,0 1 0,-1-1 0,0 1 0,0 1 0,-11-7 0,-9-9 0,-38-33-114,-77-67 357,113 94-741,2-2 0,-40-53 0,50 57-6328</inkml:trace>
+</inkml:ink>
+</file>
+
+<file path=ppt/notesMasters/notesMaster1.xml><?xml version="1.0" encoding="utf-8"?>
+<p:notesMaster xmlns:a="http://schemas.openxmlformats.org/drawingml/2006/main" xmlns:r="http://schemas.openxmlformats.org/officeDocument/2006/relationships" xmlns:p="http://schemas.openxmlformats.org/presentationml/2006/main">
+  <p:cSld>
+    <p:bg>
+      <p:bgRef idx="1001">
+        <a:schemeClr val="bg1"/>
+      </p:bgRef>
+    </p:bg>
+    <p:spTree>
+      <p:nvGrpSpPr>
+        <p:cNvPr id="1" name=""/>
+        <p:cNvGrpSpPr/>
+        <p:nvPr/>
+      </p:nvGrpSpPr>
+      <p:grpSpPr>
+        <a:xfrm>
+          <a:off x="0" y="0"/>
+          <a:ext cx="0" cy="0"/>
+          <a:chOff x="0" y="0"/>
+          <a:chExt cx="0" cy="0"/>
+        </a:xfrm>
+      </p:grpSpPr>
+      <p:sp>
+        <p:nvSpPr>
+          <p:cNvPr id="2" name="Header Placeholder 1"/>
+          <p:cNvSpPr>
+            <a:spLocks noGrp="1"/>
+          </p:cNvSpPr>
+          <p:nvPr>
+            <p:ph type="hdr" sz="quarter"/>
+          </p:nvPr>
+        </p:nvSpPr>
+        <p:spPr>
+          <a:xfrm>
+            <a:off x="0" y="0"/>
+            <a:ext cx="2971800" cy="458788"/>
+          </a:xfrm>
+          <a:prstGeom prst="rect">
+            <a:avLst/>
+          </a:prstGeom>
+        </p:spPr>
+        <p:txBody>
+          <a:bodyPr vert="horz" lIns="91440" tIns="45720" rIns="91440" bIns="45720" rtlCol="0"/>
+          <a:lstStyle>
+            <a:lvl1pPr algn="l">
+              <a:defRPr sz="1200"/>
+            </a:lvl1pPr>
+          </a:lstStyle>
+          <a:p>
+            <a:endParaRPr lang="en-US"/>
+          </a:p>
+        </p:txBody>
+      </p:sp>
+      <p:sp>
+        <p:nvSpPr>
+          <p:cNvPr id="3" name="Date Placeholder 2"/>
+          <p:cNvSpPr>
+            <a:spLocks noGrp="1"/>
+          </p:cNvSpPr>
+          <p:nvPr>
+            <p:ph type="dt" idx="1"/>
+          </p:nvPr>
+        </p:nvSpPr>
+        <p:spPr>
+          <a:xfrm>
+            <a:off x="3884613" y="0"/>
+            <a:ext cx="2971800" cy="458788"/>
+          </a:xfrm>
+          <a:prstGeom prst="rect">
+            <a:avLst/>
+          </a:prstGeom>
+        </p:spPr>
+        <p:txBody>
+          <a:bodyPr vert="horz" lIns="91440" tIns="45720" rIns="91440" bIns="45720" rtlCol="0"/>
+          <a:lstStyle>
+            <a:lvl1pPr algn="r">
+              <a:defRPr sz="1200"/>
+            </a:lvl1pPr>
+          </a:lstStyle>
+          <a:p>
+            <a:fld id="{F77D367D-42E6-482D-BEFB-CA72A1F64902}" type="datetimeFigureOut">
+              <a:rPr lang="en-US" smtClean="0"/>
+              <a:t>2/23/2022</a:t>
+            </a:fld>
+            <a:endParaRPr lang="en-US"/>
+          </a:p>
+        </p:txBody>
+      </p:sp>
+      <p:sp>
+        <p:nvSpPr>
+          <p:cNvPr id="4" name="Slide Image Placeholder 3"/>
+          <p:cNvSpPr>
+            <a:spLocks noGrp="1" noRot="1" noChangeAspect="1"/>
+          </p:cNvSpPr>
+          <p:nvPr>
+            <p:ph type="sldImg" idx="2"/>
+          </p:nvPr>
+        </p:nvSpPr>
+        <p:spPr>
+          <a:xfrm>
+            <a:off x="685800" y="1143000"/>
+            <a:ext cx="5486400" cy="3086100"/>
+          </a:xfrm>
+          <a:prstGeom prst="rect">
+            <a:avLst/>
+          </a:prstGeom>
+          <a:noFill/>
+          <a:ln w="12700">
+            <a:solidFill>
+              <a:prstClr val="black"/>
+            </a:solidFill>
+          </a:ln>
+        </p:spPr>
+        <p:txBody>
+          <a:bodyPr vert="horz" lIns="91440" tIns="45720" rIns="91440" bIns="45720" rtlCol="0" anchor="ctr"/>
+          <a:lstStyle/>
+          <a:p>
+            <a:endParaRPr lang="en-US"/>
+          </a:p>
+        </p:txBody>
+      </p:sp>
+      <p:sp>
+        <p:nvSpPr>
+          <p:cNvPr id="5" name="Notes Placeholder 4"/>
+          <p:cNvSpPr>
+            <a:spLocks noGrp="1"/>
+          </p:cNvSpPr>
+          <p:nvPr>
+            <p:ph type="body" sz="quarter" idx="3"/>
+          </p:nvPr>
+        </p:nvSpPr>
+        <p:spPr>
+          <a:xfrm>
+            <a:off x="685800" y="4400550"/>
+            <a:ext cx="5486400" cy="3600450"/>
+          </a:xfrm>
+          <a:prstGeom prst="rect">
+            <a:avLst/>
+          </a:prstGeom>
+        </p:spPr>
+        <p:txBody>
+          <a:bodyPr vert="horz" lIns="91440" tIns="45720" rIns="91440" bIns="45720" rtlCol="0"/>
+          <a:lstStyle/>
+          <a:p>
+            <a:pPr lvl="0"/>
+            <a:r>
+              <a:rPr lang="en-US"/>
+              <a:t>Click to edit Master text styles</a:t>
+            </a:r>
+          </a:p>
+          <a:p>
+            <a:pPr lvl="1"/>
+            <a:r>
+              <a:rPr lang="en-US"/>
+              <a:t>Second level</a:t>
+            </a:r>
+          </a:p>
+          <a:p>
+            <a:pPr lvl="2"/>
+            <a:r>
+              <a:rPr lang="en-US"/>
+              <a:t>Third level</a:t>
+            </a:r>
+          </a:p>
+          <a:p>
+            <a:pPr lvl="3"/>
+            <a:r>
+              <a:rPr lang="en-US"/>
+              <a:t>Fourth level</a:t>
+            </a:r>
+          </a:p>
+          <a:p>
+            <a:pPr lvl="4"/>
+            <a:r>
+              <a:rPr lang="en-US"/>
+              <a:t>Fifth level</a:t>
+            </a:r>
+          </a:p>
+        </p:txBody>
+      </p:sp>
+      <p:sp>
+        <p:nvSpPr>
+          <p:cNvPr id="6" name="Footer Placeholder 5"/>
+          <p:cNvSpPr>
+            <a:spLocks noGrp="1"/>
+          </p:cNvSpPr>
+          <p:nvPr>
+            <p:ph type="ftr" sz="quarter" idx="4"/>
+          </p:nvPr>
+        </p:nvSpPr>
+        <p:spPr>
+          <a:xfrm>
+            <a:off x="0" y="8685213"/>
+            <a:ext cx="2971800" cy="458787"/>
+          </a:xfrm>
+          <a:prstGeom prst="rect">
+            <a:avLst/>
+          </a:prstGeom>
+        </p:spPr>
+        <p:txBody>
+          <a:bodyPr vert="horz" lIns="91440" tIns="45720" rIns="91440" bIns="45720" rtlCol="0" anchor="b"/>
+          <a:lstStyle>
+            <a:lvl1pPr algn="l">
+              <a:defRPr sz="1200"/>
+            </a:lvl1pPr>
+          </a:lstStyle>
+          <a:p>
+            <a:endParaRPr lang="en-US"/>
+          </a:p>
+        </p:txBody>
+      </p:sp>
+      <p:sp>
+        <p:nvSpPr>
+          <p:cNvPr id="7" name="Slide Number Placeholder 6"/>
+          <p:cNvSpPr>
+            <a:spLocks noGrp="1"/>
+          </p:cNvSpPr>
+          <p:nvPr>
+            <p:ph type="sldNum" sz="quarter" idx="5"/>
+          </p:nvPr>
+        </p:nvSpPr>
+        <p:spPr>
+          <a:xfrm>
+            <a:off x="3884613" y="8685213"/>
+            <a:ext cx="2971800" cy="458787"/>
+          </a:xfrm>
+          <a:prstGeom prst="rect">
+            <a:avLst/>
+          </a:prstGeom>
+        </p:spPr>
+        <p:txBody>
+          <a:bodyPr vert="horz" lIns="91440" tIns="45720" rIns="91440" bIns="45720" rtlCol="0" anchor="b"/>
+          <a:lstStyle>
+            <a:lvl1pPr algn="r">
+              <a:defRPr sz="1200"/>
+            </a:lvl1pPr>
+          </a:lstStyle>
+          <a:p>
+            <a:fld id="{016F0481-8DD8-4512-8458-AF4223F9393D}" type="slidenum">
+              <a:rPr lang="en-US" smtClean="0"/>
+              <a:t>‹#›</a:t>
+            </a:fld>
+            <a:endParaRPr lang="en-US"/>
+          </a:p>
+        </p:txBody>
+      </p:sp>
+    </p:spTree>
+    <p:extLst>
+      <p:ext uri="{BB962C8B-B14F-4D97-AF65-F5344CB8AC3E}">
+        <p14:creationId xmlns:p14="http://schemas.microsoft.com/office/powerpoint/2010/main" val="135721694"/>
+      </p:ext>
+    </p:extLst>
+  </p:cSld>
+  <p:clrMap bg1="lt1" tx1="dk1" bg2="lt2" tx2="dk2" accent1="accent1" accent2="accent2" accent3="accent3" accent4="accent4" accent5="accent5" accent6="accent6" hlink="hlink" folHlink="folHlink"/>
+  <p:notesStyle>
+    <a:lvl1pPr marL="0" algn="l" defTabSz="914400" rtl="0" eaLnBrk="1" latinLnBrk="0" hangingPunct="1">
+      <a:defRPr sz="1200" kern="1200">
+        <a:solidFill>
+          <a:schemeClr val="tx1"/>
+        </a:solidFill>
+        <a:latin typeface="+mn-lt"/>
+        <a:ea typeface="+mn-ea"/>
+        <a:cs typeface="+mn-cs"/>
+      </a:defRPr>
+    </a:lvl1pPr>
+    <a:lvl2pPr marL="457200" algn="l" defTabSz="914400" rtl="0" eaLnBrk="1" latinLnBrk="0" hangingPunct="1">
+      <a:defRPr sz="1200" kern="1200">
+        <a:solidFill>
+          <a:schemeClr val="tx1"/>
+        </a:solidFill>
+        <a:latin typeface="+mn-lt"/>
+        <a:ea typeface="+mn-ea"/>
+        <a:cs typeface="+mn-cs"/>
+      </a:defRPr>
+    </a:lvl2pPr>
+    <a:lvl3pPr marL="914400" algn="l" defTabSz="914400" rtl="0" eaLnBrk="1" latinLnBrk="0" hangingPunct="1">
+      <a:defRPr sz="1200" kern="1200">
+        <a:solidFill>
+          <a:schemeClr val="tx1"/>
+        </a:solidFill>
+        <a:latin typeface="+mn-lt"/>
+        <a:ea typeface="+mn-ea"/>
+        <a:cs typeface="+mn-cs"/>
+      </a:defRPr>
+    </a:lvl3pPr>
+    <a:lvl4pPr marL="1371600" algn="l" defTabSz="914400" rtl="0" eaLnBrk="1" latinLnBrk="0" hangingPunct="1">
+      <a:defRPr sz="1200" kern="1200">
+        <a:solidFill>
+          <a:schemeClr val="tx1"/>
+        </a:solidFill>
+        <a:latin typeface="+mn-lt"/>
+        <a:ea typeface="+mn-ea"/>
+        <a:cs typeface="+mn-cs"/>
+      </a:defRPr>
+    </a:lvl4pPr>
+    <a:lvl5pPr marL="1828800" algn="l" defTabSz="914400" rtl="0" eaLnBrk="1" latinLnBrk="0" hangingPunct="1">
+      <a:defRPr sz="1200" kern="1200">
+        <a:solidFill>
+          <a:schemeClr val="tx1"/>
+        </a:solidFill>
+        <a:latin typeface="+mn-lt"/>
+        <a:ea typeface="+mn-ea"/>
+        <a:cs typeface="+mn-cs"/>
+      </a:defRPr>
+    </a:lvl5pPr>
+    <a:lvl6pPr marL="2286000" algn="l" defTabSz="914400" rtl="0" eaLnBrk="1" latinLnBrk="0" hangingPunct="1">
+      <a:defRPr sz="1200" kern="1200">
+        <a:solidFill>
+          <a:schemeClr val="tx1"/>
+        </a:solidFill>
+        <a:latin typeface="+mn-lt"/>
+        <a:ea typeface="+mn-ea"/>
+        <a:cs typeface="+mn-cs"/>
+      </a:defRPr>
+    </a:lvl6pPr>
+    <a:lvl7pPr marL="2743200" algn="l" defTabSz="914400" rtl="0" eaLnBrk="1" latinLnBrk="0" hangingPunct="1">
+      <a:defRPr sz="1200" kern="1200">
+        <a:solidFill>
+          <a:schemeClr val="tx1"/>
+        </a:solidFill>
+        <a:latin typeface="+mn-lt"/>
+        <a:ea typeface="+mn-ea"/>
+        <a:cs typeface="+mn-cs"/>
+      </a:defRPr>
+    </a:lvl7pPr>
+    <a:lvl8pPr marL="3200400" algn="l" defTabSz="914400" rtl="0" eaLnBrk="1" latinLnBrk="0" hangingPunct="1">
+      <a:defRPr sz="1200" kern="1200">
+        <a:solidFill>
+          <a:schemeClr val="tx1"/>
+        </a:solidFill>
+        <a:latin typeface="+mn-lt"/>
+        <a:ea typeface="+mn-ea"/>
+        <a:cs typeface="+mn-cs"/>
+      </a:defRPr>
+    </a:lvl8pPr>
+    <a:lvl9pPr marL="3657600" algn="l" defTabSz="914400" rtl="0" eaLnBrk="1" latinLnBrk="0" hangingPunct="1">
+      <a:defRPr sz="1200" kern="1200">
+        <a:solidFill>
+          <a:schemeClr val="tx1"/>
+        </a:solidFill>
+        <a:latin typeface="+mn-lt"/>
+        <a:ea typeface="+mn-ea"/>
+        <a:cs typeface="+mn-cs"/>
+      </a:defRPr>
+    </a:lvl9pPr>
+  </p:notesStyle>
+</p:notesMaster>
+</file>
+
+<file path=ppt/notesSlides/notesSlide1.xml><?xml version="1.0" encoding="utf-8"?>
+<p:notes xmlns:a="http://schemas.openxmlformats.org/drawingml/2006/main" xmlns:r="http://schemas.openxmlformats.org/officeDocument/2006/relationships" xmlns:p="http://schemas.openxmlformats.org/presentationml/2006/main">
+  <p:cSld>
+    <p:spTree>
+      <p:nvGrpSpPr>
+        <p:cNvPr id="1" name=""/>
+        <p:cNvGrpSpPr/>
+        <p:nvPr/>
+      </p:nvGrpSpPr>
+      <p:grpSpPr>
+        <a:xfrm>
+          <a:off x="0" y="0"/>
+          <a:ext cx="0" cy="0"/>
+          <a:chOff x="0" y="0"/>
+          <a:chExt cx="0" cy="0"/>
+        </a:xfrm>
+      </p:grpSpPr>
+      <p:sp>
+        <p:nvSpPr>
+          <p:cNvPr id="2" name="Slide Image Placeholder 1"/>
+          <p:cNvSpPr>
+            <a:spLocks noGrp="1" noRot="1" noChangeAspect="1"/>
+          </p:cNvSpPr>
+          <p:nvPr>
+            <p:ph type="sldImg"/>
+          </p:nvPr>
+        </p:nvSpPr>
+        <p:spPr/>
+      </p:sp>
+      <p:sp>
+        <p:nvSpPr>
+          <p:cNvPr id="3" name="Notes Placeholder 2"/>
+          <p:cNvSpPr>
+            <a:spLocks noGrp="1"/>
+          </p:cNvSpPr>
+          <p:nvPr>
+            <p:ph type="body" idx="1"/>
+          </p:nvPr>
+        </p:nvSpPr>
+        <p:spPr/>
+        <p:txBody>
+          <a:bodyPr/>
+          <a:lstStyle/>
+          <a:p>
+            <a:endParaRPr lang="en-US" dirty="0"/>
+          </a:p>
+        </p:txBody>
+      </p:sp>
+      <p:sp>
+        <p:nvSpPr>
+          <p:cNvPr id="4" name="Slide Number Placeholder 3"/>
+          <p:cNvSpPr>
+            <a:spLocks noGrp="1"/>
+          </p:cNvSpPr>
+          <p:nvPr>
+            <p:ph type="sldNum" sz="quarter" idx="5"/>
+          </p:nvPr>
+        </p:nvSpPr>
+        <p:spPr/>
+        <p:txBody>
+          <a:bodyPr/>
+          <a:lstStyle/>
+          <a:p>
+            <a:fld id="{016F0481-8DD8-4512-8458-AF4223F9393D}" type="slidenum">
+              <a:rPr lang="en-US" smtClean="0"/>
+              <a:t>6</a:t>
+            </a:fld>
+            <a:endParaRPr lang="en-US"/>
+          </a:p>
+        </p:txBody>
+      </p:sp>
+    </p:spTree>
+    <p:extLst>
+      <p:ext uri="{BB962C8B-B14F-4D97-AF65-F5344CB8AC3E}">
+        <p14:creationId xmlns:p14="http://schemas.microsoft.com/office/powerpoint/2010/main" val="1995140996"/>
+      </p:ext>
+    </p:extLst>
+  </p:cSld>
+  <p:clrMapOvr>
+    <a:masterClrMapping/>
+  </p:clrMapOvr>
+</p:notes>
 </file>
 
 <file path=ppt/slideLayouts/slideLayout1.xml><?xml version="1.0" encoding="utf-8"?>
@@ -276,7 +1053,7 @@
           <a:p>
             <a:fld id="{B5D3B204-DCBB-4550-9F69-43C0818FEF85}" type="datetimeFigureOut">
               <a:rPr lang="en-US" smtClean="0"/>
-              <a:t>2/20/2022</a:t>
+              <a:t>2/23/2022</a:t>
             </a:fld>
             <a:endParaRPr lang="en-US"/>
           </a:p>
@@ -446,7 +1223,7 @@
           <a:p>
             <a:fld id="{B5D3B204-DCBB-4550-9F69-43C0818FEF85}" type="datetimeFigureOut">
               <a:rPr lang="en-US" smtClean="0"/>
-              <a:t>2/20/2022</a:t>
+              <a:t>2/23/2022</a:t>
             </a:fld>
             <a:endParaRPr lang="en-US"/>
           </a:p>
@@ -626,7 +1403,7 @@
           <a:p>
             <a:fld id="{B5D3B204-DCBB-4550-9F69-43C0818FEF85}" type="datetimeFigureOut">
               <a:rPr lang="en-US" smtClean="0"/>
-              <a:t>2/20/2022</a:t>
+              <a:t>2/23/2022</a:t>
             </a:fld>
             <a:endParaRPr lang="en-US"/>
           </a:p>
@@ -796,7 +1573,7 @@
           <a:p>
             <a:fld id="{B5D3B204-DCBB-4550-9F69-43C0818FEF85}" type="datetimeFigureOut">
               <a:rPr lang="en-US" smtClean="0"/>
-              <a:t>2/20/2022</a:t>
+              <a:t>2/23/2022</a:t>
             </a:fld>
             <a:endParaRPr lang="en-US"/>
           </a:p>
@@ -1064,7 +1841,7 @@
           <a:p>
             <a:fld id="{B5D3B204-DCBB-4550-9F69-43C0818FEF85}" type="datetimeFigureOut">
               <a:rPr lang="en-US" smtClean="0"/>
-              <a:t>2/20/2022</a:t>
+              <a:t>2/23/2022</a:t>
             </a:fld>
             <a:endParaRPr lang="en-US"/>
           </a:p>
@@ -1296,7 +2073,7 @@
           <a:p>
             <a:fld id="{B5D3B204-DCBB-4550-9F69-43C0818FEF85}" type="datetimeFigureOut">
               <a:rPr lang="en-US" smtClean="0"/>
-              <a:t>2/20/2022</a:t>
+              <a:t>2/23/2022</a:t>
             </a:fld>
             <a:endParaRPr lang="en-US"/>
           </a:p>
@@ -1655,7 +2432,7 @@
           <a:p>
             <a:fld id="{B5D3B204-DCBB-4550-9F69-43C0818FEF85}" type="datetimeFigureOut">
               <a:rPr lang="en-US" smtClean="0"/>
-              <a:t>2/20/2022</a:t>
+              <a:t>2/23/2022</a:t>
             </a:fld>
             <a:endParaRPr lang="en-US"/>
           </a:p>
@@ -1796,7 +2573,7 @@
           <a:p>
             <a:fld id="{B5D3B204-DCBB-4550-9F69-43C0818FEF85}" type="datetimeFigureOut">
               <a:rPr lang="en-US" smtClean="0"/>
-              <a:t>2/20/2022</a:t>
+              <a:t>2/23/2022</a:t>
             </a:fld>
             <a:endParaRPr lang="en-US"/>
           </a:p>
@@ -1891,7 +2668,7 @@
           <a:p>
             <a:fld id="{B5D3B204-DCBB-4550-9F69-43C0818FEF85}" type="datetimeFigureOut">
               <a:rPr lang="en-US" smtClean="0"/>
-              <a:t>2/20/2022</a:t>
+              <a:t>2/23/2022</a:t>
             </a:fld>
             <a:endParaRPr lang="en-US"/>
           </a:p>
@@ -2248,7 +3025,7 @@
           <a:p>
             <a:fld id="{B5D3B204-DCBB-4550-9F69-43C0818FEF85}" type="datetimeFigureOut">
               <a:rPr lang="en-US" smtClean="0"/>
-              <a:t>2/20/2022</a:t>
+              <a:t>2/23/2022</a:t>
             </a:fld>
             <a:endParaRPr lang="en-US"/>
           </a:p>
@@ -2605,7 +3382,7 @@
           <a:p>
             <a:fld id="{B5D3B204-DCBB-4550-9F69-43C0818FEF85}" type="datetimeFigureOut">
               <a:rPr lang="en-US" smtClean="0"/>
-              <a:t>2/20/2022</a:t>
+              <a:t>2/23/2022</a:t>
             </a:fld>
             <a:endParaRPr lang="en-US"/>
           </a:p>
@@ -2847,7 +3624,7 @@
           <a:p>
             <a:fld id="{B5D3B204-DCBB-4550-9F69-43C0818FEF85}" type="datetimeFigureOut">
               <a:rPr lang="en-US" smtClean="0"/>
-              <a:t>2/20/2022</a:t>
+              <a:t>2/23/2022</a:t>
             </a:fld>
             <a:endParaRPr lang="en-US"/>
           </a:p>
@@ -4365,7 +5142,7 @@
           <p:nvPr/>
         </p:nvPicPr>
         <p:blipFill>
-          <a:blip r:embed="rId2">
+          <a:blip r:embed="rId3">
             <a:extLst>
               <a:ext uri="{28A0092B-C50C-407E-A947-70E740481C1C}">
                 <a14:useLocalDpi xmlns:a14="http://schemas.microsoft.com/office/drawing/2010/main" val="0"/>
@@ -4386,6 +5163,333 @@
           </a:prstGeom>
         </p:spPr>
       </p:pic>
+      <mc:AlternateContent xmlns:mc="http://schemas.openxmlformats.org/markup-compatibility/2006" xmlns:p14="http://schemas.microsoft.com/office/powerpoint/2010/main">
+        <mc:Choice Requires="p14">
+          <p:contentPart p14:bwMode="auto" r:id="rId4">
+            <p14:nvContentPartPr>
+              <p14:cNvPr id="6" name="Ink 5">
+                <a:extLst>
+                  <a:ext uri="{FF2B5EF4-FFF2-40B4-BE49-F238E27FC236}">
+                    <a16:creationId xmlns:a16="http://schemas.microsoft.com/office/drawing/2014/main" id="{4953C81A-15E8-41E5-BF33-AA511B8BA17B}"/>
+                  </a:ext>
+                </a:extLst>
+              </p14:cNvPr>
+              <p14:cNvContentPartPr/>
+              <p14:nvPr/>
+            </p14:nvContentPartPr>
+            <p14:xfrm>
+              <a:off x="4680434" y="3245120"/>
+              <a:ext cx="360" cy="2520"/>
+            </p14:xfrm>
+          </p:contentPart>
+        </mc:Choice>
+        <mc:Fallback xmlns="">
+          <p:pic>
+            <p:nvPicPr>
+              <p:cNvPr id="6" name="Ink 5">
+                <a:extLst>
+                  <a:ext uri="{FF2B5EF4-FFF2-40B4-BE49-F238E27FC236}">
+                    <a16:creationId xmlns:a16="http://schemas.microsoft.com/office/drawing/2014/main" id="{4953C81A-15E8-41E5-BF33-AA511B8BA17B}"/>
+                  </a:ext>
+                </a:extLst>
+              </p:cNvPr>
+              <p:cNvPicPr/>
+              <p:nvPr/>
+            </p:nvPicPr>
+            <p:blipFill>
+              <a:blip r:embed="rId5"/>
+              <a:stretch>
+                <a:fillRect/>
+              </a:stretch>
+            </p:blipFill>
+            <p:spPr>
+              <a:xfrm>
+                <a:off x="4671794" y="3236480"/>
+                <a:ext cx="18000" cy="20160"/>
+              </a:xfrm>
+              <a:prstGeom prst="rect">
+                <a:avLst/>
+              </a:prstGeom>
+            </p:spPr>
+          </p:pic>
+        </mc:Fallback>
+      </mc:AlternateContent>
+      <mc:AlternateContent xmlns:mc="http://schemas.openxmlformats.org/markup-compatibility/2006" xmlns:p14="http://schemas.microsoft.com/office/powerpoint/2010/main">
+        <mc:Choice Requires="p14">
+          <p:contentPart p14:bwMode="auto" r:id="rId6">
+            <p14:nvContentPartPr>
+              <p14:cNvPr id="7" name="Ink 6">
+                <a:extLst>
+                  <a:ext uri="{FF2B5EF4-FFF2-40B4-BE49-F238E27FC236}">
+                    <a16:creationId xmlns:a16="http://schemas.microsoft.com/office/drawing/2014/main" id="{7E6ECA91-C7BD-42A3-A168-B8BAE9C1A13F}"/>
+                  </a:ext>
+                </a:extLst>
+              </p14:cNvPr>
+              <p14:cNvContentPartPr/>
+              <p14:nvPr/>
+            </p14:nvContentPartPr>
+            <p14:xfrm>
+              <a:off x="4610234" y="3228560"/>
+              <a:ext cx="3313080" cy="1372680"/>
+            </p14:xfrm>
+          </p:contentPart>
+        </mc:Choice>
+        <mc:Fallback xmlns="">
+          <p:pic>
+            <p:nvPicPr>
+              <p:cNvPr id="7" name="Ink 6">
+                <a:extLst>
+                  <a:ext uri="{FF2B5EF4-FFF2-40B4-BE49-F238E27FC236}">
+                    <a16:creationId xmlns:a16="http://schemas.microsoft.com/office/drawing/2014/main" id="{7E6ECA91-C7BD-42A3-A168-B8BAE9C1A13F}"/>
+                  </a:ext>
+                </a:extLst>
+              </p:cNvPr>
+              <p:cNvPicPr/>
+              <p:nvPr/>
+            </p:nvPicPr>
+            <p:blipFill>
+              <a:blip r:embed="rId7"/>
+              <a:stretch>
+                <a:fillRect/>
+              </a:stretch>
+            </p:blipFill>
+            <p:spPr>
+              <a:xfrm>
+                <a:off x="4601234" y="3219920"/>
+                <a:ext cx="3330720" cy="1390320"/>
+              </a:xfrm>
+              <a:prstGeom prst="rect">
+                <a:avLst/>
+              </a:prstGeom>
+            </p:spPr>
+          </p:pic>
+        </mc:Fallback>
+      </mc:AlternateContent>
+      <mc:AlternateContent xmlns:mc="http://schemas.openxmlformats.org/markup-compatibility/2006" xmlns:p14="http://schemas.microsoft.com/office/powerpoint/2010/main">
+        <mc:Choice Requires="p14">
+          <p:contentPart p14:bwMode="auto" r:id="rId8">
+            <p14:nvContentPartPr>
+              <p14:cNvPr id="11" name="Ink 10">
+                <a:extLst>
+                  <a:ext uri="{FF2B5EF4-FFF2-40B4-BE49-F238E27FC236}">
+                    <a16:creationId xmlns:a16="http://schemas.microsoft.com/office/drawing/2014/main" id="{05399522-4D4E-4361-8F8E-1B3484628156}"/>
+                  </a:ext>
+                </a:extLst>
+              </p14:cNvPr>
+              <p14:cNvContentPartPr/>
+              <p14:nvPr/>
+            </p14:nvContentPartPr>
+            <p14:xfrm>
+              <a:off x="9475740" y="1725240"/>
+              <a:ext cx="360" cy="360"/>
+            </p14:xfrm>
+          </p:contentPart>
+        </mc:Choice>
+        <mc:Fallback xmlns="">
+          <p:pic>
+            <p:nvPicPr>
+              <p:cNvPr id="11" name="Ink 10">
+                <a:extLst>
+                  <a:ext uri="{FF2B5EF4-FFF2-40B4-BE49-F238E27FC236}">
+                    <a16:creationId xmlns:a16="http://schemas.microsoft.com/office/drawing/2014/main" id="{05399522-4D4E-4361-8F8E-1B3484628156}"/>
+                  </a:ext>
+                </a:extLst>
+              </p:cNvPr>
+              <p:cNvPicPr/>
+              <p:nvPr/>
+            </p:nvPicPr>
+            <p:blipFill>
+              <a:blip r:embed="rId9"/>
+              <a:stretch>
+                <a:fillRect/>
+              </a:stretch>
+            </p:blipFill>
+            <p:spPr>
+              <a:xfrm>
+                <a:off x="9466740" y="1716240"/>
+                <a:ext cx="18000" cy="18000"/>
+              </a:xfrm>
+              <a:prstGeom prst="rect">
+                <a:avLst/>
+              </a:prstGeom>
+            </p:spPr>
+          </p:pic>
+        </mc:Fallback>
+      </mc:AlternateContent>
+      <p:grpSp>
+        <p:nvGrpSpPr>
+          <p:cNvPr id="14" name="Group 13">
+            <a:extLst>
+              <a:ext uri="{FF2B5EF4-FFF2-40B4-BE49-F238E27FC236}">
+                <a16:creationId xmlns:a16="http://schemas.microsoft.com/office/drawing/2014/main" id="{BA28A8FD-388C-4A1F-B787-08FB36542C26}"/>
+              </a:ext>
+            </a:extLst>
+          </p:cNvPr>
+          <p:cNvGrpSpPr/>
+          <p:nvPr/>
+        </p:nvGrpSpPr>
+        <p:grpSpPr>
+          <a:xfrm>
+            <a:off x="4667834" y="1676051"/>
+            <a:ext cx="3263760" cy="2912760"/>
+            <a:chOff x="4667834" y="1676051"/>
+            <a:chExt cx="3263760" cy="2912760"/>
+          </a:xfrm>
+        </p:grpSpPr>
+        <mc:AlternateContent xmlns:mc="http://schemas.openxmlformats.org/markup-compatibility/2006" xmlns:p14="http://schemas.microsoft.com/office/powerpoint/2010/main">
+          <mc:Choice Requires="p14">
+            <p:contentPart p14:bwMode="auto" r:id="rId10">
+              <p14:nvContentPartPr>
+                <p14:cNvPr id="8" name="Ink 7">
+                  <a:extLst>
+                    <a:ext uri="{FF2B5EF4-FFF2-40B4-BE49-F238E27FC236}">
+                      <a16:creationId xmlns:a16="http://schemas.microsoft.com/office/drawing/2014/main" id="{50165596-A515-4E2B-B436-0D36B3E150E0}"/>
+                    </a:ext>
+                  </a:extLst>
+                </p14:cNvPr>
+                <p14:cNvContentPartPr/>
+                <p14:nvPr/>
+              </p14:nvContentPartPr>
+              <p14:xfrm>
+                <a:off x="4667834" y="1676051"/>
+                <a:ext cx="3207240" cy="1009440"/>
+              </p14:xfrm>
+            </p:contentPart>
+          </mc:Choice>
+          <mc:Fallback xmlns="">
+            <p:pic>
+              <p:nvPicPr>
+                <p:cNvPr id="8" name="Ink 7">
+                  <a:extLst>
+                    <a:ext uri="{FF2B5EF4-FFF2-40B4-BE49-F238E27FC236}">
+                      <a16:creationId xmlns:a16="http://schemas.microsoft.com/office/drawing/2014/main" id="{50165596-A515-4E2B-B436-0D36B3E150E0}"/>
+                    </a:ext>
+                  </a:extLst>
+                </p:cNvPr>
+                <p:cNvPicPr/>
+                <p:nvPr/>
+              </p:nvPicPr>
+              <p:blipFill>
+                <a:blip r:embed="rId11"/>
+                <a:stretch>
+                  <a:fillRect/>
+                </a:stretch>
+              </p:blipFill>
+              <p:spPr>
+                <a:xfrm>
+                  <a:off x="4659194" y="1667051"/>
+                  <a:ext cx="3224880" cy="1027080"/>
+                </a:xfrm>
+                <a:prstGeom prst="rect">
+                  <a:avLst/>
+                </a:prstGeom>
+              </p:spPr>
+            </p:pic>
+          </mc:Fallback>
+        </mc:AlternateContent>
+        <mc:AlternateContent xmlns:mc="http://schemas.openxmlformats.org/markup-compatibility/2006" xmlns:p14="http://schemas.microsoft.com/office/powerpoint/2010/main">
+          <mc:Choice Requires="p14">
+            <p:contentPart p14:bwMode="auto" r:id="rId12">
+              <p14:nvContentPartPr>
+                <p14:cNvPr id="9" name="Ink 8">
+                  <a:extLst>
+                    <a:ext uri="{FF2B5EF4-FFF2-40B4-BE49-F238E27FC236}">
+                      <a16:creationId xmlns:a16="http://schemas.microsoft.com/office/drawing/2014/main" id="{06BA6A22-9A25-4673-A642-F4901D443134}"/>
+                    </a:ext>
+                  </a:extLst>
+                </p14:cNvPr>
+                <p14:cNvContentPartPr/>
+                <p14:nvPr/>
+              </p14:nvContentPartPr>
+              <p14:xfrm>
+                <a:off x="7861394" y="1679651"/>
+                <a:ext cx="70200" cy="2909160"/>
+              </p14:xfrm>
+            </p:contentPart>
+          </mc:Choice>
+          <mc:Fallback xmlns="">
+            <p:pic>
+              <p:nvPicPr>
+                <p:cNvPr id="9" name="Ink 8">
+                  <a:extLst>
+                    <a:ext uri="{FF2B5EF4-FFF2-40B4-BE49-F238E27FC236}">
+                      <a16:creationId xmlns:a16="http://schemas.microsoft.com/office/drawing/2014/main" id="{06BA6A22-9A25-4673-A642-F4901D443134}"/>
+                    </a:ext>
+                  </a:extLst>
+                </p:cNvPr>
+                <p:cNvPicPr/>
+                <p:nvPr/>
+              </p:nvPicPr>
+              <p:blipFill>
+                <a:blip r:embed="rId13"/>
+                <a:stretch>
+                  <a:fillRect/>
+                </a:stretch>
+              </p:blipFill>
+              <p:spPr>
+                <a:xfrm>
+                  <a:off x="7852754" y="1671011"/>
+                  <a:ext cx="87840" cy="2926800"/>
+                </a:xfrm>
+                <a:prstGeom prst="rect">
+                  <a:avLst/>
+                </a:prstGeom>
+              </p:spPr>
+            </p:pic>
+          </mc:Fallback>
+        </mc:AlternateContent>
+        <mc:AlternateContent xmlns:mc="http://schemas.openxmlformats.org/markup-compatibility/2006" xmlns:p14="http://schemas.microsoft.com/office/powerpoint/2010/main">
+          <mc:Choice Requires="p14">
+            <p:contentPart p14:bwMode="auto" r:id="rId14">
+              <p14:nvContentPartPr>
+                <p14:cNvPr id="13" name="Ink 12">
+                  <a:extLst>
+                    <a:ext uri="{FF2B5EF4-FFF2-40B4-BE49-F238E27FC236}">
+                      <a16:creationId xmlns:a16="http://schemas.microsoft.com/office/drawing/2014/main" id="{7EDA7051-5E8F-4369-8C19-62A8933F29D8}"/>
+                    </a:ext>
+                  </a:extLst>
+                </p14:cNvPr>
+                <p14:cNvContentPartPr/>
+                <p14:nvPr/>
+              </p14:nvContentPartPr>
+              <p14:xfrm>
+                <a:off x="7875540" y="1850160"/>
+                <a:ext cx="360" cy="360"/>
+              </p14:xfrm>
+            </p:contentPart>
+          </mc:Choice>
+          <mc:Fallback xmlns="">
+            <p:pic>
+              <p:nvPicPr>
+                <p:cNvPr id="13" name="Ink 12">
+                  <a:extLst>
+                    <a:ext uri="{FF2B5EF4-FFF2-40B4-BE49-F238E27FC236}">
+                      <a16:creationId xmlns:a16="http://schemas.microsoft.com/office/drawing/2014/main" id="{7EDA7051-5E8F-4369-8C19-62A8933F29D8}"/>
+                    </a:ext>
+                  </a:extLst>
+                </p:cNvPr>
+                <p:cNvPicPr/>
+                <p:nvPr/>
+              </p:nvPicPr>
+              <p:blipFill>
+                <a:blip r:embed="rId9"/>
+                <a:stretch>
+                  <a:fillRect/>
+                </a:stretch>
+              </p:blipFill>
+              <p:spPr>
+                <a:xfrm>
+                  <a:off x="7866540" y="1841520"/>
+                  <a:ext cx="18000" cy="18000"/>
+                </a:xfrm>
+                <a:prstGeom prst="rect">
+                  <a:avLst/>
+                </a:prstGeom>
+              </p:spPr>
+            </p:pic>
+          </mc:Fallback>
+        </mc:AlternateContent>
+      </p:grpSp>
     </p:spTree>
     <p:extLst>
       <p:ext uri="{BB962C8B-B14F-4D97-AF65-F5344CB8AC3E}">
@@ -4528,6 +5632,333 @@
           </a:p>
         </p:txBody>
       </p:sp>
+      <mc:AlternateContent xmlns:mc="http://schemas.openxmlformats.org/markup-compatibility/2006">
+        <mc:Choice xmlns:p14="http://schemas.microsoft.com/office/powerpoint/2010/main" Requires="p14">
+          <p:contentPart p14:bwMode="auto" r:id="rId3">
+            <p14:nvContentPartPr>
+              <p14:cNvPr id="3" name="Ink 2">
+                <a:extLst>
+                  <a:ext uri="{FF2B5EF4-FFF2-40B4-BE49-F238E27FC236}">
+                    <a16:creationId xmlns:a16="http://schemas.microsoft.com/office/drawing/2014/main" id="{3C3F3C2B-ACA8-4BE2-A767-947DE52D2890}"/>
+                  </a:ext>
+                </a:extLst>
+              </p14:cNvPr>
+              <p14:cNvContentPartPr/>
+              <p14:nvPr/>
+            </p14:nvContentPartPr>
+            <p14:xfrm>
+              <a:off x="5075503" y="3254854"/>
+              <a:ext cx="1395000" cy="547920"/>
+            </p14:xfrm>
+          </p:contentPart>
+        </mc:Choice>
+        <mc:Fallback>
+          <p:pic>
+            <p:nvPicPr>
+              <p:cNvPr id="3" name="Ink 2">
+                <a:extLst>
+                  <a:ext uri="{FF2B5EF4-FFF2-40B4-BE49-F238E27FC236}">
+                    <a16:creationId xmlns:a16="http://schemas.microsoft.com/office/drawing/2014/main" id="{3C3F3C2B-ACA8-4BE2-A767-947DE52D2890}"/>
+                  </a:ext>
+                </a:extLst>
+              </p:cNvPr>
+              <p:cNvPicPr/>
+              <p:nvPr/>
+            </p:nvPicPr>
+            <p:blipFill>
+              <a:blip r:embed="rId4"/>
+              <a:stretch>
+                <a:fillRect/>
+              </a:stretch>
+            </p:blipFill>
+            <p:spPr>
+              <a:xfrm>
+                <a:off x="5066863" y="3245854"/>
+                <a:ext cx="1412640" cy="565560"/>
+              </a:xfrm>
+              <a:prstGeom prst="rect">
+                <a:avLst/>
+              </a:prstGeom>
+            </p:spPr>
+          </p:pic>
+        </mc:Fallback>
+      </mc:AlternateContent>
+      <mc:AlternateContent xmlns:mc="http://schemas.openxmlformats.org/markup-compatibility/2006">
+        <mc:Choice xmlns:p14="http://schemas.microsoft.com/office/powerpoint/2010/main" Requires="p14">
+          <p:contentPart p14:bwMode="auto" r:id="rId5">
+            <p14:nvContentPartPr>
+              <p14:cNvPr id="4" name="Ink 3">
+                <a:extLst>
+                  <a:ext uri="{FF2B5EF4-FFF2-40B4-BE49-F238E27FC236}">
+                    <a16:creationId xmlns:a16="http://schemas.microsoft.com/office/drawing/2014/main" id="{1AA2915C-2F3D-43A3-BE7B-188B6A6E62E7}"/>
+                  </a:ext>
+                </a:extLst>
+              </p14:cNvPr>
+              <p14:cNvContentPartPr/>
+              <p14:nvPr/>
+            </p14:nvContentPartPr>
+            <p14:xfrm>
+              <a:off x="5005663" y="2696494"/>
+              <a:ext cx="1571760" cy="563040"/>
+            </p14:xfrm>
+          </p:contentPart>
+        </mc:Choice>
+        <mc:Fallback>
+          <p:pic>
+            <p:nvPicPr>
+              <p:cNvPr id="4" name="Ink 3">
+                <a:extLst>
+                  <a:ext uri="{FF2B5EF4-FFF2-40B4-BE49-F238E27FC236}">
+                    <a16:creationId xmlns:a16="http://schemas.microsoft.com/office/drawing/2014/main" id="{1AA2915C-2F3D-43A3-BE7B-188B6A6E62E7}"/>
+                  </a:ext>
+                </a:extLst>
+              </p:cNvPr>
+              <p:cNvPicPr/>
+              <p:nvPr/>
+            </p:nvPicPr>
+            <p:blipFill>
+              <a:blip r:embed="rId6"/>
+              <a:stretch>
+                <a:fillRect/>
+              </a:stretch>
+            </p:blipFill>
+            <p:spPr>
+              <a:xfrm>
+                <a:off x="4996663" y="2687854"/>
+                <a:ext cx="1589400" cy="580680"/>
+              </a:xfrm>
+              <a:prstGeom prst="rect">
+                <a:avLst/>
+              </a:prstGeom>
+            </p:spPr>
+          </p:pic>
+        </mc:Fallback>
+      </mc:AlternateContent>
+      <p:grpSp>
+        <p:nvGrpSpPr>
+          <p:cNvPr id="13" name="Group 12">
+            <a:extLst>
+              <a:ext uri="{FF2B5EF4-FFF2-40B4-BE49-F238E27FC236}">
+                <a16:creationId xmlns:a16="http://schemas.microsoft.com/office/drawing/2014/main" id="{F5402B2E-169E-4ED1-A4B4-2DFC10C1EF62}"/>
+              </a:ext>
+            </a:extLst>
+          </p:cNvPr>
+          <p:cNvGrpSpPr/>
+          <p:nvPr/>
+        </p:nvGrpSpPr>
+        <p:grpSpPr>
+          <a:xfrm>
+            <a:off x="4896583" y="2788654"/>
+            <a:ext cx="197280" cy="470880"/>
+            <a:chOff x="4896583" y="2788654"/>
+            <a:chExt cx="197280" cy="470880"/>
+          </a:xfrm>
+        </p:grpSpPr>
+        <mc:AlternateContent xmlns:mc="http://schemas.openxmlformats.org/markup-compatibility/2006">
+          <mc:Choice xmlns:p14="http://schemas.microsoft.com/office/powerpoint/2010/main" Requires="p14">
+            <p:contentPart p14:bwMode="auto" r:id="rId7">
+              <p14:nvContentPartPr>
+                <p14:cNvPr id="10" name="Ink 9">
+                  <a:extLst>
+                    <a:ext uri="{FF2B5EF4-FFF2-40B4-BE49-F238E27FC236}">
+                      <a16:creationId xmlns:a16="http://schemas.microsoft.com/office/drawing/2014/main" id="{F6C91D49-438A-444E-A084-CC30AF8460AE}"/>
+                    </a:ext>
+                  </a:extLst>
+                </p14:cNvPr>
+                <p14:cNvContentPartPr/>
+                <p14:nvPr/>
+              </p14:nvContentPartPr>
+              <p14:xfrm>
+                <a:off x="4936183" y="3109414"/>
+                <a:ext cx="157680" cy="150120"/>
+              </p14:xfrm>
+            </p:contentPart>
+          </mc:Choice>
+          <mc:Fallback>
+            <p:pic>
+              <p:nvPicPr>
+                <p:cNvPr id="10" name="Ink 9">
+                  <a:extLst>
+                    <a:ext uri="{FF2B5EF4-FFF2-40B4-BE49-F238E27FC236}">
+                      <a16:creationId xmlns:a16="http://schemas.microsoft.com/office/drawing/2014/main" id="{F6C91D49-438A-444E-A084-CC30AF8460AE}"/>
+                    </a:ext>
+                  </a:extLst>
+                </p:cNvPr>
+                <p:cNvPicPr/>
+                <p:nvPr/>
+              </p:nvPicPr>
+              <p:blipFill>
+                <a:blip r:embed="rId8"/>
+                <a:stretch>
+                  <a:fillRect/>
+                </a:stretch>
+              </p:blipFill>
+              <p:spPr>
+                <a:xfrm>
+                  <a:off x="4927543" y="3100414"/>
+                  <a:ext cx="175320" cy="167760"/>
+                </a:xfrm>
+                <a:prstGeom prst="rect">
+                  <a:avLst/>
+                </a:prstGeom>
+              </p:spPr>
+            </p:pic>
+          </mc:Fallback>
+        </mc:AlternateContent>
+        <mc:AlternateContent xmlns:mc="http://schemas.openxmlformats.org/markup-compatibility/2006">
+          <mc:Choice xmlns:p14="http://schemas.microsoft.com/office/powerpoint/2010/main" Requires="p14">
+            <p:contentPart p14:bwMode="auto" r:id="rId9">
+              <p14:nvContentPartPr>
+                <p14:cNvPr id="11" name="Ink 10">
+                  <a:extLst>
+                    <a:ext uri="{FF2B5EF4-FFF2-40B4-BE49-F238E27FC236}">
+                      <a16:creationId xmlns:a16="http://schemas.microsoft.com/office/drawing/2014/main" id="{E1EB22BE-DD27-495F-BD63-DDD984BBA08D}"/>
+                    </a:ext>
+                  </a:extLst>
+                </p14:cNvPr>
+                <p14:cNvContentPartPr/>
+                <p14:nvPr/>
+              </p14:nvContentPartPr>
+              <p14:xfrm>
+                <a:off x="4896583" y="2788654"/>
+                <a:ext cx="133560" cy="158400"/>
+              </p14:xfrm>
+            </p:contentPart>
+          </mc:Choice>
+          <mc:Fallback>
+            <p:pic>
+              <p:nvPicPr>
+                <p:cNvPr id="11" name="Ink 10">
+                  <a:extLst>
+                    <a:ext uri="{FF2B5EF4-FFF2-40B4-BE49-F238E27FC236}">
+                      <a16:creationId xmlns:a16="http://schemas.microsoft.com/office/drawing/2014/main" id="{E1EB22BE-DD27-495F-BD63-DDD984BBA08D}"/>
+                    </a:ext>
+                  </a:extLst>
+                </p:cNvPr>
+                <p:cNvPicPr/>
+                <p:nvPr/>
+              </p:nvPicPr>
+              <p:blipFill>
+                <a:blip r:embed="rId10"/>
+                <a:stretch>
+                  <a:fillRect/>
+                </a:stretch>
+              </p:blipFill>
+              <p:spPr>
+                <a:xfrm>
+                  <a:off x="4887583" y="2779654"/>
+                  <a:ext cx="151200" cy="176040"/>
+                </a:xfrm>
+                <a:prstGeom prst="rect">
+                  <a:avLst/>
+                </a:prstGeom>
+              </p:spPr>
+            </p:pic>
+          </mc:Fallback>
+        </mc:AlternateContent>
+      </p:grpSp>
+      <mc:AlternateContent xmlns:mc="http://schemas.openxmlformats.org/markup-compatibility/2006">
+        <mc:Choice xmlns:p14="http://schemas.microsoft.com/office/powerpoint/2010/main" Requires="p14">
+          <p:contentPart p14:bwMode="auto" r:id="rId11">
+            <p14:nvContentPartPr>
+              <p14:cNvPr id="14" name="Ink 13">
+                <a:extLst>
+                  <a:ext uri="{FF2B5EF4-FFF2-40B4-BE49-F238E27FC236}">
+                    <a16:creationId xmlns:a16="http://schemas.microsoft.com/office/drawing/2014/main" id="{A79B6C0E-4DAA-46B0-9B2E-1C5AE8BBB155}"/>
+                  </a:ext>
+                </a:extLst>
+              </p14:cNvPr>
+              <p14:cNvContentPartPr/>
+              <p14:nvPr/>
+            </p14:nvContentPartPr>
+            <p14:xfrm>
+              <a:off x="4751503" y="3239374"/>
+              <a:ext cx="3051360" cy="841320"/>
+            </p14:xfrm>
+          </p:contentPart>
+        </mc:Choice>
+        <mc:Fallback>
+          <p:pic>
+            <p:nvPicPr>
+              <p:cNvPr id="14" name="Ink 13">
+                <a:extLst>
+                  <a:ext uri="{FF2B5EF4-FFF2-40B4-BE49-F238E27FC236}">
+                    <a16:creationId xmlns:a16="http://schemas.microsoft.com/office/drawing/2014/main" id="{A79B6C0E-4DAA-46B0-9B2E-1C5AE8BBB155}"/>
+                  </a:ext>
+                </a:extLst>
+              </p:cNvPr>
+              <p:cNvPicPr/>
+              <p:nvPr/>
+            </p:nvPicPr>
+            <p:blipFill>
+              <a:blip r:embed="rId12"/>
+              <a:stretch>
+                <a:fillRect/>
+              </a:stretch>
+            </p:blipFill>
+            <p:spPr>
+              <a:xfrm>
+                <a:off x="4742863" y="3230374"/>
+                <a:ext cx="3069000" cy="858960"/>
+              </a:xfrm>
+              <a:prstGeom prst="rect">
+                <a:avLst/>
+              </a:prstGeom>
+            </p:spPr>
+          </p:pic>
+        </mc:Fallback>
+      </mc:AlternateContent>
+      <mc:AlternateContent xmlns:mc="http://schemas.openxmlformats.org/markup-compatibility/2006">
+        <mc:Choice xmlns:p14="http://schemas.microsoft.com/office/powerpoint/2010/main" Requires="p14">
+          <p:contentPart p14:bwMode="auto" r:id="rId13">
+            <p14:nvContentPartPr>
+              <p14:cNvPr id="15" name="Ink 14">
+                <a:extLst>
+                  <a:ext uri="{FF2B5EF4-FFF2-40B4-BE49-F238E27FC236}">
+                    <a16:creationId xmlns:a16="http://schemas.microsoft.com/office/drawing/2014/main" id="{5673C3BC-FC3D-4B22-9C9A-3EE9DAB61576}"/>
+                  </a:ext>
+                </a:extLst>
+              </p14:cNvPr>
+              <p14:cNvContentPartPr/>
+              <p14:nvPr/>
+            </p14:nvContentPartPr>
+            <p14:xfrm>
+              <a:off x="4666903" y="1993774"/>
+              <a:ext cx="3231000" cy="614160"/>
+            </p14:xfrm>
+          </p:contentPart>
+        </mc:Choice>
+        <mc:Fallback>
+          <p:pic>
+            <p:nvPicPr>
+              <p:cNvPr id="15" name="Ink 14">
+                <a:extLst>
+                  <a:ext uri="{FF2B5EF4-FFF2-40B4-BE49-F238E27FC236}">
+                    <a16:creationId xmlns:a16="http://schemas.microsoft.com/office/drawing/2014/main" id="{5673C3BC-FC3D-4B22-9C9A-3EE9DAB61576}"/>
+                  </a:ext>
+                </a:extLst>
+              </p:cNvPr>
+              <p:cNvPicPr/>
+              <p:nvPr/>
+            </p:nvPicPr>
+            <p:blipFill>
+              <a:blip r:embed="rId14"/>
+              <a:stretch>
+                <a:fillRect/>
+              </a:stretch>
+            </p:blipFill>
+            <p:spPr>
+              <a:xfrm>
+                <a:off x="4658263" y="1984774"/>
+                <a:ext cx="3248640" cy="631800"/>
+              </a:xfrm>
+              <a:prstGeom prst="rect">
+                <a:avLst/>
+              </a:prstGeom>
+            </p:spPr>
+          </p:pic>
+        </mc:Fallback>
+      </mc:AlternateContent>
     </p:spTree>
     <p:extLst>
       <p:ext uri="{BB962C8B-B14F-4D97-AF65-F5344CB8AC3E}">
@@ -4799,4 +6230,299 @@
     </a:ext>
   </a:extLst>
 </a:theme>
+</file>
+
+<file path=ppt/theme/theme2.xml><?xml version="1.0" encoding="utf-8"?>
+<a:theme xmlns:a="http://schemas.openxmlformats.org/drawingml/2006/main" name="Office Theme">
+  <a:themeElements>
+    <a:clrScheme name="Office">
+      <a:dk1>
+        <a:sysClr val="windowText" lastClr="000000"/>
+      </a:dk1>
+      <a:lt1>
+        <a:sysClr val="window" lastClr="FFFFFF"/>
+      </a:lt1>
+      <a:dk2>
+        <a:srgbClr val="44546A"/>
+      </a:dk2>
+      <a:lt2>
+        <a:srgbClr val="E7E6E6"/>
+      </a:lt2>
+      <a:accent1>
+        <a:srgbClr val="4472C4"/>
+      </a:accent1>
+      <a:accent2>
+        <a:srgbClr val="ED7D31"/>
+      </a:accent2>
+      <a:accent3>
+        <a:srgbClr val="A5A5A5"/>
+      </a:accent3>
+      <a:accent4>
+        <a:srgbClr val="FFC000"/>
+      </a:accent4>
+      <a:accent5>
+        <a:srgbClr val="5B9BD5"/>
+      </a:accent5>
+      <a:accent6>
+        <a:srgbClr val="70AD47"/>
+      </a:accent6>
+      <a:hlink>
+        <a:srgbClr val="0563C1"/>
+      </a:hlink>
+      <a:folHlink>
+        <a:srgbClr val="954F72"/>
+      </a:folHlink>
+    </a:clrScheme>
+    <a:fontScheme name="Office">
+      <a:majorFont>
+        <a:latin typeface="Calibri Light" panose="020F0302020204030204"/>
+        <a:ea typeface=""/>
+        <a:cs typeface=""/>
+        <a:font script="Jpan" typeface="游ゴシック Light"/>
+        <a:font script="Hang" typeface="맑은 고딕"/>
+        <a:font script="Hans" typeface="等线 Light"/>
+        <a:font script="Hant" typeface="新細明體"/>
+        <a:font script="Arab" typeface="Times New Roman"/>
+        <a:font script="Hebr" typeface="Times New Roman"/>
+        <a:font script="Thai" typeface="Angsana New"/>
+        <a:font script="Ethi" typeface="Nyala"/>
+        <a:font script="Beng" typeface="Vrinda"/>
+        <a:font script="Gujr" typeface="Shruti"/>
+        <a:font script="Khmr" typeface="MoolBoran"/>
+        <a:font script="Knda" typeface="Tunga"/>
+        <a:font script="Guru" typeface="Raavi"/>
+        <a:font script="Cans" typeface="Euphemia"/>
+        <a:font script="Cher" typeface="Plantagenet Cherokee"/>
+        <a:font script="Yiii" typeface="Microsoft Yi Baiti"/>
+        <a:font script="Tibt" typeface="Microsoft Himalaya"/>
+        <a:font script="Thaa" typeface="MV Boli"/>
+        <a:font script="Deva" typeface="Mangal"/>
+        <a:font script="Telu" typeface="Gautami"/>
+        <a:font script="Taml" typeface="Latha"/>
+        <a:font script="Syrc" typeface="Estrangelo Edessa"/>
+        <a:font script="Orya" typeface="Kalinga"/>
+        <a:font script="Mlym" typeface="Kartika"/>
+        <a:font script="Laoo" typeface="DokChampa"/>
+        <a:font script="Sinh" typeface="Iskoola Pota"/>
+        <a:font script="Mong" typeface="Mongolian Baiti"/>
+        <a:font script="Viet" typeface="Times New Roman"/>
+        <a:font script="Uigh" typeface="Microsoft Uighur"/>
+        <a:font script="Geor" typeface="Sylfaen"/>
+        <a:font script="Armn" typeface="Arial"/>
+        <a:font script="Bugi" typeface="Leelawadee UI"/>
+        <a:font script="Bopo" typeface="Microsoft JhengHei"/>
+        <a:font script="Java" typeface="Javanese Text"/>
+        <a:font script="Lisu" typeface="Segoe UI"/>
+        <a:font script="Mymr" typeface="Myanmar Text"/>
+        <a:font script="Nkoo" typeface="Ebrima"/>
+        <a:font script="Olck" typeface="Nirmala UI"/>
+        <a:font script="Osma" typeface="Ebrima"/>
+        <a:font script="Phag" typeface="Phagspa"/>
+        <a:font script="Syrn" typeface="Estrangelo Edessa"/>
+        <a:font script="Syrj" typeface="Estrangelo Edessa"/>
+        <a:font script="Syre" typeface="Estrangelo Edessa"/>
+        <a:font script="Sora" typeface="Nirmala UI"/>
+        <a:font script="Tale" typeface="Microsoft Tai Le"/>
+        <a:font script="Talu" typeface="Microsoft New Tai Lue"/>
+        <a:font script="Tfng" typeface="Ebrima"/>
+      </a:majorFont>
+      <a:minorFont>
+        <a:latin typeface="Calibri" panose="020F0502020204030204"/>
+        <a:ea typeface=""/>
+        <a:cs typeface=""/>
+        <a:font script="Jpan" typeface="游ゴシック"/>
+        <a:font script="Hang" typeface="맑은 고딕"/>
+        <a:font script="Hans" typeface="等线"/>
+        <a:font script="Hant" typeface="新細明體"/>
+        <a:font script="Arab" typeface="Arial"/>
+        <a:font script="Hebr" typeface="Arial"/>
+        <a:font script="Thai" typeface="Cordia New"/>
+        <a:font script="Ethi" typeface="Nyala"/>
+        <a:font script="Beng" typeface="Vrinda"/>
+        <a:font script="Gujr" typeface="Shruti"/>
+        <a:font script="Khmr" typeface="DaunPenh"/>
+        <a:font script="Knda" typeface="Tunga"/>
+        <a:font script="Guru" typeface="Raavi"/>
+        <a:font script="Cans" typeface="Euphemia"/>
+        <a:font script="Cher" typeface="Plantagenet Cherokee"/>
+        <a:font script="Yiii" typeface="Microsoft Yi Baiti"/>
+        <a:font script="Tibt" typeface="Microsoft Himalaya"/>
+        <a:font script="Thaa" typeface="MV Boli"/>
+        <a:font script="Deva" typeface="Mangal"/>
+        <a:font script="Telu" typeface="Gautami"/>
+        <a:font script="Taml" typeface="Latha"/>
+        <a:font script="Syrc" typeface="Estrangelo Edessa"/>
+        <a:font script="Orya" typeface="Kalinga"/>
+        <a:font script="Mlym" typeface="Kartika"/>
+        <a:font script="Laoo" typeface="DokChampa"/>
+        <a:font script="Sinh" typeface="Iskoola Pota"/>
+        <a:font script="Mong" typeface="Mongolian Baiti"/>
+        <a:font script="Viet" typeface="Arial"/>
+        <a:font script="Uigh" typeface="Microsoft Uighur"/>
+        <a:font script="Geor" typeface="Sylfaen"/>
+        <a:font script="Armn" typeface="Arial"/>
+        <a:font script="Bugi" typeface="Leelawadee UI"/>
+        <a:font script="Bopo" typeface="Microsoft JhengHei"/>
+        <a:font script="Java" typeface="Javanese Text"/>
+        <a:font script="Lisu" typeface="Segoe UI"/>
+        <a:font script="Mymr" typeface="Myanmar Text"/>
+        <a:font script="Nkoo" typeface="Ebrima"/>
+        <a:font script="Olck" typeface="Nirmala UI"/>
+        <a:font script="Osma" typeface="Ebrima"/>
+        <a:font script="Phag" typeface="Phagspa"/>
+        <a:font script="Syrn" typeface="Estrangelo Edessa"/>
+        <a:font script="Syrj" typeface="Estrangelo Edessa"/>
+        <a:font script="Syre" typeface="Estrangelo Edessa"/>
+        <a:font script="Sora" typeface="Nirmala UI"/>
+        <a:font script="Tale" typeface="Microsoft Tai Le"/>
+        <a:font script="Talu" typeface="Microsoft New Tai Lue"/>
+        <a:font script="Tfng" typeface="Ebrima"/>
+      </a:minorFont>
+    </a:fontScheme>
+    <a:fmtScheme name="Office">
+      <a:fillStyleLst>
+        <a:solidFill>
+          <a:schemeClr val="phClr"/>
+        </a:solidFill>
+        <a:gradFill rotWithShape="1">
+          <a:gsLst>
+            <a:gs pos="0">
+              <a:schemeClr val="phClr">
+                <a:lumMod val="110000"/>
+                <a:satMod val="105000"/>
+                <a:tint val="67000"/>
+              </a:schemeClr>
+            </a:gs>
+            <a:gs pos="50000">
+              <a:schemeClr val="phClr">
+                <a:lumMod val="105000"/>
+                <a:satMod val="103000"/>
+                <a:tint val="73000"/>
+              </a:schemeClr>
+            </a:gs>
+            <a:gs pos="100000">
+              <a:schemeClr val="phClr">
+                <a:lumMod val="105000"/>
+                <a:satMod val="109000"/>
+                <a:tint val="81000"/>
+              </a:schemeClr>
+            </a:gs>
+          </a:gsLst>
+          <a:lin ang="5400000" scaled="0"/>
+        </a:gradFill>
+        <a:gradFill rotWithShape="1">
+          <a:gsLst>
+            <a:gs pos="0">
+              <a:schemeClr val="phClr">
+                <a:satMod val="103000"/>
+                <a:lumMod val="102000"/>
+                <a:tint val="94000"/>
+              </a:schemeClr>
+            </a:gs>
+            <a:gs pos="50000">
+              <a:schemeClr val="phClr">
+                <a:satMod val="110000"/>
+                <a:lumMod val="100000"/>
+                <a:shade val="100000"/>
+              </a:schemeClr>
+            </a:gs>
+            <a:gs pos="100000">
+              <a:schemeClr val="phClr">
+                <a:lumMod val="99000"/>
+                <a:satMod val="120000"/>
+                <a:shade val="78000"/>
+              </a:schemeClr>
+            </a:gs>
+          </a:gsLst>
+          <a:lin ang="5400000" scaled="0"/>
+        </a:gradFill>
+      </a:fillStyleLst>
+      <a:lnStyleLst>
+        <a:ln w="6350" cap="flat" cmpd="sng" algn="ctr">
+          <a:solidFill>
+            <a:schemeClr val="phClr"/>
+          </a:solidFill>
+          <a:prstDash val="solid"/>
+          <a:miter lim="800000"/>
+        </a:ln>
+        <a:ln w="12700" cap="flat" cmpd="sng" algn="ctr">
+          <a:solidFill>
+            <a:schemeClr val="phClr"/>
+          </a:solidFill>
+          <a:prstDash val="solid"/>
+          <a:miter lim="800000"/>
+        </a:ln>
+        <a:ln w="19050" cap="flat" cmpd="sng" algn="ctr">
+          <a:solidFill>
+            <a:schemeClr val="phClr"/>
+          </a:solidFill>
+          <a:prstDash val="solid"/>
+          <a:miter lim="800000"/>
+        </a:ln>
+      </a:lnStyleLst>
+      <a:effectStyleLst>
+        <a:effectStyle>
+          <a:effectLst/>
+        </a:effectStyle>
+        <a:effectStyle>
+          <a:effectLst/>
+        </a:effectStyle>
+        <a:effectStyle>
+          <a:effectLst>
+            <a:outerShdw blurRad="57150" dist="19050" dir="5400000" algn="ctr" rotWithShape="0">
+              <a:srgbClr val="000000">
+                <a:alpha val="63000"/>
+              </a:srgbClr>
+            </a:outerShdw>
+          </a:effectLst>
+        </a:effectStyle>
+      </a:effectStyleLst>
+      <a:bgFillStyleLst>
+        <a:solidFill>
+          <a:schemeClr val="phClr"/>
+        </a:solidFill>
+        <a:solidFill>
+          <a:schemeClr val="phClr">
+            <a:tint val="95000"/>
+            <a:satMod val="170000"/>
+          </a:schemeClr>
+        </a:solidFill>
+        <a:gradFill rotWithShape="1">
+          <a:gsLst>
+            <a:gs pos="0">
+              <a:schemeClr val="phClr">
+                <a:tint val="93000"/>
+                <a:satMod val="150000"/>
+                <a:shade val="98000"/>
+                <a:lumMod val="102000"/>
+              </a:schemeClr>
+            </a:gs>
+            <a:gs pos="50000">
+              <a:schemeClr val="phClr">
+                <a:tint val="98000"/>
+                <a:satMod val="130000"/>
+                <a:shade val="90000"/>
+                <a:lumMod val="103000"/>
+              </a:schemeClr>
+            </a:gs>
+            <a:gs pos="100000">
+              <a:schemeClr val="phClr">
+                <a:shade val="63000"/>
+                <a:satMod val="120000"/>
+              </a:schemeClr>
+            </a:gs>
+          </a:gsLst>
+          <a:lin ang="5400000" scaled="0"/>
+        </a:gradFill>
+      </a:bgFillStyleLst>
+    </a:fmtScheme>
+  </a:themeElements>
+  <a:objectDefaults/>
+  <a:extraClrSchemeLst/>
+  <a:extLst>
+    <a:ext uri="{05A4C25C-085E-4340-85A3-A5531E510DB2}">
+      <thm15:themeFamily xmlns:thm15="http://schemas.microsoft.com/office/thememl/2012/main" name="Office Theme" id="{62F939B6-93AF-4DB8-9C6B-D6C7DFDC589F}" vid="{4A3C46E8-61CC-4603-A589-7422A47A8E4A}"/>
+    </a:ext>
+  </a:extLst>
+</a:theme>
 </file>